--- a/1 Periodo/Arquitetura de Computadores/AULA 05- Prof Jouglas.pptx
+++ b/1 Periodo/Arquitetura de Computadores/AULA 05- Prof Jouglas.pptx
@@ -7890,33 +7890,19 @@
           <a:p>
             <a:r>
               <a:rPr lang="pt-BR" dirty="0" smtClean="0"/>
-              <a:t>111001 – </a:t>
-            </a:r>
+              <a:t>111001 – 111 = </a:t>
+            </a:r>
+          </a:p>
+          <a:p>
             <a:r>
               <a:rPr lang="pt-BR" dirty="0" smtClean="0"/>
-              <a:t>111 = </a:t>
-            </a:r>
-            <a:endParaRPr lang="pt-BR" dirty="0" smtClean="0"/>
+              <a:t>1010000 - 11111 = </a:t>
+            </a:r>
           </a:p>
           <a:p>
             <a:r>
               <a:rPr lang="pt-BR" dirty="0" smtClean="0"/>
-              <a:t>1010000 - 11111 </a:t>
-            </a:r>
-            <a:r>
-              <a:rPr lang="pt-BR" dirty="0" smtClean="0"/>
-              <a:t>= </a:t>
-            </a:r>
-            <a:endParaRPr lang="pt-BR" dirty="0" smtClean="0"/>
-          </a:p>
-          <a:p>
-            <a:r>
-              <a:rPr lang="pt-BR" dirty="0" smtClean="0"/>
-              <a:t>11111111 </a:t>
-            </a:r>
-            <a:r>
-              <a:rPr lang="pt-BR" dirty="0" smtClean="0"/>
-              <a:t>– </a:t>
+              <a:t>11111111 – </a:t>
             </a:r>
             <a:r>
               <a:rPr lang="pt-BR" smtClean="0"/>
@@ -7927,22 +7913,13 @@
           <a:p>
             <a:r>
               <a:rPr lang="pt-BR" dirty="0" smtClean="0"/>
-              <a:t>11111111 </a:t>
-            </a:r>
+              <a:t>11111111 – 10000000 = </a:t>
+            </a:r>
+          </a:p>
+          <a:p>
             <a:r>
               <a:rPr lang="pt-BR" dirty="0" smtClean="0"/>
-              <a:t>– 10000000 = </a:t>
-            </a:r>
-            <a:endParaRPr lang="pt-BR" dirty="0" smtClean="0"/>
-          </a:p>
-          <a:p>
-            <a:r>
-              <a:rPr lang="pt-BR" dirty="0" smtClean="0"/>
-              <a:t>10101110 - 10101010 </a:t>
-            </a:r>
-            <a:r>
-              <a:rPr lang="pt-BR" dirty="0" smtClean="0"/>
-              <a:t>= </a:t>
+              <a:t>10101110 - 10101010 = </a:t>
             </a:r>
             <a:endParaRPr lang="pt-BR" dirty="0"/>
           </a:p>
@@ -8281,55 +8258,19 @@
           <a:p>
             <a:r>
               <a:rPr lang="pt-BR" dirty="0" smtClean="0"/>
-              <a:t>0010 1101 </a:t>
-            </a:r>
+              <a:t>0010 1101 + 0010 1011 = </a:t>
+            </a:r>
+          </a:p>
+          <a:p>
             <a:r>
               <a:rPr lang="pt-BR" dirty="0" smtClean="0"/>
-              <a:t>+ </a:t>
-            </a:r>
+              <a:t>0001 0101 + 0001 1100 = </a:t>
+            </a:r>
+          </a:p>
+          <a:p>
             <a:r>
               <a:rPr lang="pt-BR" dirty="0" smtClean="0"/>
-              <a:t>0010 1011 </a:t>
-            </a:r>
-            <a:r>
-              <a:rPr lang="pt-BR" dirty="0" smtClean="0"/>
-              <a:t>= </a:t>
-            </a:r>
-          </a:p>
-          <a:p>
-            <a:r>
-              <a:rPr lang="pt-BR" dirty="0" smtClean="0"/>
-              <a:t>0001 0101 </a:t>
-            </a:r>
-            <a:r>
-              <a:rPr lang="pt-BR" dirty="0" smtClean="0"/>
-              <a:t>+ </a:t>
-            </a:r>
-            <a:r>
-              <a:rPr lang="pt-BR" dirty="0" smtClean="0"/>
-              <a:t>0001 1100 </a:t>
-            </a:r>
-            <a:r>
-              <a:rPr lang="pt-BR" dirty="0" smtClean="0"/>
-              <a:t>= </a:t>
-            </a:r>
-          </a:p>
-          <a:p>
-            <a:r>
-              <a:rPr lang="pt-BR" dirty="0" smtClean="0"/>
-              <a:t>0010 0110 </a:t>
-            </a:r>
-            <a:r>
-              <a:rPr lang="pt-BR" dirty="0" smtClean="0"/>
-              <a:t>+ </a:t>
-            </a:r>
-            <a:r>
-              <a:rPr lang="pt-BR" dirty="0" smtClean="0"/>
-              <a:t>0001 1100 </a:t>
-            </a:r>
-            <a:r>
-              <a:rPr lang="pt-BR" dirty="0" smtClean="0"/>
-              <a:t>=</a:t>
+              <a:t>0010 0110 + 0001 1100 =</a:t>
             </a:r>
           </a:p>
           <a:p>
@@ -8503,55 +8444,19 @@
           <a:p>
             <a:r>
               <a:rPr lang="pt-BR" dirty="0" smtClean="0"/>
-              <a:t>0010 1101 </a:t>
-            </a:r>
+              <a:t>0010 1101 + 0010 1011 = </a:t>
+            </a:r>
+          </a:p>
+          <a:p>
             <a:r>
               <a:rPr lang="pt-BR" dirty="0" smtClean="0"/>
-              <a:t>+ </a:t>
-            </a:r>
+              <a:t>0001 0101 + 0001 1100 = </a:t>
+            </a:r>
+          </a:p>
+          <a:p>
             <a:r>
               <a:rPr lang="pt-BR" dirty="0" smtClean="0"/>
-              <a:t>0010 1011 </a:t>
-            </a:r>
-            <a:r>
-              <a:rPr lang="pt-BR" dirty="0" smtClean="0"/>
-              <a:t>= </a:t>
-            </a:r>
-          </a:p>
-          <a:p>
-            <a:r>
-              <a:rPr lang="pt-BR" dirty="0" smtClean="0"/>
-              <a:t>0001 0101 </a:t>
-            </a:r>
-            <a:r>
-              <a:rPr lang="pt-BR" dirty="0" smtClean="0"/>
-              <a:t>+ </a:t>
-            </a:r>
-            <a:r>
-              <a:rPr lang="pt-BR" dirty="0" smtClean="0"/>
-              <a:t>0001 1100 </a:t>
-            </a:r>
-            <a:r>
-              <a:rPr lang="pt-BR" dirty="0" smtClean="0"/>
-              <a:t>= </a:t>
-            </a:r>
-          </a:p>
-          <a:p>
-            <a:r>
-              <a:rPr lang="pt-BR" dirty="0" smtClean="0"/>
-              <a:t>0010 0110 </a:t>
-            </a:r>
-            <a:r>
-              <a:rPr lang="pt-BR" dirty="0" smtClean="0"/>
-              <a:t>+ </a:t>
-            </a:r>
-            <a:r>
-              <a:rPr lang="pt-BR" dirty="0" smtClean="0"/>
-              <a:t>0001 1100 </a:t>
-            </a:r>
-            <a:r>
-              <a:rPr lang="pt-BR" dirty="0" smtClean="0"/>
-              <a:t>=</a:t>
+              <a:t>0010 0110 + 0001 1100 =</a:t>
             </a:r>
           </a:p>
           <a:p>
